--- a/Foiler/2. Avansert/SMACSS.pptx
+++ b/Foiler/2. Avansert/SMACSS.pptx
@@ -5,7 +5,7 @@
     <p:sldMasterId id="2147483660" r:id="rId1"/>
   </p:sldMasterIdLst>
   <p:notesMasterIdLst>
-    <p:notesMasterId r:id="rId33"/>
+    <p:notesMasterId r:id="rId31"/>
   </p:notesMasterIdLst>
   <p:sldIdLst>
     <p:sldId id="256" r:id="rId2"/>
@@ -37,8 +37,6 @@
     <p:sldId id="269" r:id="rId28"/>
     <p:sldId id="271" r:id="rId29"/>
     <p:sldId id="272" r:id="rId30"/>
-    <p:sldId id="273" r:id="rId31"/>
-    <p:sldId id="270" r:id="rId32"/>
   </p:sldIdLst>
   <p:sldSz cx="9144000" cy="5143500" type="screen16x9"/>
   <p:notesSz cx="6858000" cy="9144000"/>
@@ -10808,7 +10806,7 @@
           <a:p>
             <a:r>
               <a:rPr lang="nb-NO" dirty="0" smtClean="0"/>
-              <a:t>Ytelse?</a:t>
+              <a:t>Verktøy for å teste ytelse</a:t>
             </a:r>
             <a:endParaRPr lang="nb-NO" dirty="0"/>
           </a:p>
@@ -10827,47 +10825,101 @@
         <p:spPr/>
         <p:txBody>
           <a:bodyPr>
-            <a:normAutofit fontScale="92500" lnSpcReduction="10000"/>
+            <a:normAutofit/>
           </a:bodyPr>
           <a:lstStyle/>
           <a:p>
             <a:r>
-              <a:rPr lang="nb-NO" dirty="0">
-                <a:hlinkClick r:id="rId2"/>
-              </a:rPr>
-              <a:t>http://csswizardry.com/2011/09/writing-efficient-css-selectors</a:t>
-            </a:r>
-            <a:r>
               <a:rPr lang="nb-NO" dirty="0" smtClean="0">
                 <a:hlinkClick r:id="rId2"/>
               </a:rPr>
-              <a:t>/</a:t>
+              <a:t>Google Pagespeed Insights</a:t>
+            </a:r>
+            <a:endParaRPr lang="nb-NO" dirty="0"/>
+          </a:p>
+          <a:p>
+            <a:r>
+              <a:rPr lang="nb-NO" dirty="0" smtClean="0">
+                <a:hlinkClick r:id="rId3"/>
+              </a:rPr>
+              <a:t>ySlow</a:t>
             </a:r>
             <a:endParaRPr lang="nb-NO" dirty="0" smtClean="0"/>
           </a:p>
           <a:p>
-            <a:endParaRPr lang="nb-NO" dirty="0"/>
-          </a:p>
-          <a:p>
-            <a:r>
-              <a:rPr lang="nb-NO" dirty="0" smtClean="0"/>
-              <a:t>Hentes mer inn på andre områder</a:t>
-            </a:r>
-          </a:p>
-          <a:p>
-            <a:endParaRPr lang="nb-NO" dirty="0"/>
-          </a:p>
-          <a:p>
-            <a:r>
-              <a:rPr lang="nb-NO" dirty="0">
-                <a:hlinkClick r:id="rId3"/>
-              </a:rPr>
-              <a:t>https://developers.google.com/speed/pagespeed/insights#</a:t>
-            </a:r>
             <a:endParaRPr lang="nb-NO" dirty="0"/>
           </a:p>
         </p:txBody>
       </p:sp>
+      <p:pic>
+        <p:nvPicPr>
+          <p:cNvPr id="1026" name="Picture 2"/>
+          <p:cNvPicPr>
+            <a:picLocks noChangeAspect="1" noChangeArrowheads="1"/>
+          </p:cNvPicPr>
+          <p:nvPr/>
+        </p:nvPicPr>
+        <p:blipFill>
+          <a:blip r:embed="rId4">
+            <a:extLst>
+              <a:ext uri="{28A0092B-C50C-407E-A947-70E740481C1C}">
+                <a14:useLocalDpi xmlns:a14="http://schemas.microsoft.com/office/drawing/2010/main" val="0"/>
+              </a:ext>
+            </a:extLst>
+          </a:blip>
+          <a:srcRect/>
+          <a:stretch>
+            <a:fillRect/>
+          </a:stretch>
+        </p:blipFill>
+        <p:spPr bwMode="auto">
+          <a:xfrm>
+            <a:off x="1104900" y="469900"/>
+            <a:ext cx="6934200" cy="4203700"/>
+          </a:xfrm>
+          <a:prstGeom prst="rect">
+            <a:avLst/>
+          </a:prstGeom>
+          <a:ln>
+            <a:noFill/>
+          </a:ln>
+          <a:effectLst>
+            <a:outerShdw blurRad="190500" algn="tl" rotWithShape="0">
+              <a:srgbClr val="000000">
+                <a:alpha val="70000"/>
+              </a:srgbClr>
+            </a:outerShdw>
+          </a:effectLst>
+          <a:extLst>
+            <a:ext uri="{909E8E84-426E-40DD-AFC4-6F175D3DCCD1}">
+              <a14:hiddenFill xmlns:a14="http://schemas.microsoft.com/office/drawing/2010/main">
+                <a:solidFill>
+                  <a:schemeClr val="accent1"/>
+                </a:solidFill>
+              </a14:hiddenFill>
+            </a:ext>
+            <a:ext uri="{91240B29-F687-4F45-9708-019B960494DF}">
+              <a14:hiddenLine xmlns:a14="http://schemas.microsoft.com/office/drawing/2010/main" w="9525">
+                <a:solidFill>
+                  <a:schemeClr val="tx1"/>
+                </a:solidFill>
+                <a:miter lim="800000"/>
+                <a:headEnd/>
+                <a:tailEnd/>
+              </a14:hiddenLine>
+            </a:ext>
+            <a:ext uri="{AF507438-7753-43E0-B8FC-AC1667EBCBE1}">
+              <a14:hiddenEffects xmlns:a14="http://schemas.microsoft.com/office/drawing/2010/main">
+                <a:effectLst>
+                  <a:outerShdw dist="35921" dir="2700000" algn="ctr" rotWithShape="0">
+                    <a:schemeClr val="bg2"/>
+                  </a:outerShdw>
+                </a:effectLst>
+              </a14:hiddenEffects>
+            </a:ext>
+          </a:extLst>
+        </p:spPr>
+      </p:pic>
     </p:spTree>
     <p:extLst>
       <p:ext uri="{BB962C8B-B14F-4D97-AF65-F5344CB8AC3E}">
@@ -10881,7 +10933,83 @@
   <p:timing>
     <p:tnLst>
       <p:par>
-        <p:cTn id="1" dur="indefinite" restart="never" nodeType="tmRoot"/>
+        <p:cTn id="1" dur="indefinite" restart="never" nodeType="tmRoot">
+          <p:childTnLst>
+            <p:seq concurrent="1" nextAc="seek">
+              <p:cTn id="2" dur="indefinite" nodeType="mainSeq">
+                <p:childTnLst>
+                  <p:par>
+                    <p:cTn id="3" fill="hold">
+                      <p:stCondLst>
+                        <p:cond delay="indefinite"/>
+                      </p:stCondLst>
+                      <p:childTnLst>
+                        <p:par>
+                          <p:cTn id="4" fill="hold">
+                            <p:stCondLst>
+                              <p:cond delay="0"/>
+                            </p:stCondLst>
+                            <p:childTnLst>
+                              <p:par>
+                                <p:cTn id="5" presetID="10" presetClass="entr" presetSubtype="0" fill="hold" nodeType="clickEffect">
+                                  <p:stCondLst>
+                                    <p:cond delay="0"/>
+                                  </p:stCondLst>
+                                  <p:childTnLst>
+                                    <p:set>
+                                      <p:cBhvr>
+                                        <p:cTn id="6" dur="1" fill="hold">
+                                          <p:stCondLst>
+                                            <p:cond delay="0"/>
+                                          </p:stCondLst>
+                                        </p:cTn>
+                                        <p:tgtEl>
+                                          <p:spTgt spid="1026"/>
+                                        </p:tgtEl>
+                                        <p:attrNameLst>
+                                          <p:attrName>style.visibility</p:attrName>
+                                        </p:attrNameLst>
+                                      </p:cBhvr>
+                                      <p:to>
+                                        <p:strVal val="visible"/>
+                                      </p:to>
+                                    </p:set>
+                                    <p:animEffect transition="in" filter="fade">
+                                      <p:cBhvr>
+                                        <p:cTn id="7" dur="500"/>
+                                        <p:tgtEl>
+                                          <p:spTgt spid="1026"/>
+                                        </p:tgtEl>
+                                      </p:cBhvr>
+                                    </p:animEffect>
+                                  </p:childTnLst>
+                                </p:cTn>
+                              </p:par>
+                            </p:childTnLst>
+                          </p:cTn>
+                        </p:par>
+                      </p:childTnLst>
+                    </p:cTn>
+                  </p:par>
+                </p:childTnLst>
+              </p:cTn>
+              <p:prevCondLst>
+                <p:cond evt="onPrev" delay="0">
+                  <p:tgtEl>
+                    <p:sldTgt/>
+                  </p:tgtEl>
+                </p:cond>
+              </p:prevCondLst>
+              <p:nextCondLst>
+                <p:cond evt="onNext" delay="0">
+                  <p:tgtEl>
+                    <p:sldTgt/>
+                  </p:tgtEl>
+                </p:cond>
+              </p:nextCondLst>
+            </p:seq>
+          </p:childTnLst>
+        </p:cTn>
       </p:par>
     </p:tnLst>
   </p:timing>
@@ -11196,162 +11324,6 @@
     <p:extLst>
       <p:ext uri="{BB962C8B-B14F-4D97-AF65-F5344CB8AC3E}">
         <p14:creationId xmlns:p14="http://schemas.microsoft.com/office/powerpoint/2010/main" val="3859146089"/>
-      </p:ext>
-    </p:extLst>
-  </p:cSld>
-  <p:clrMapOvr>
-    <a:masterClrMapping/>
-  </p:clrMapOvr>
-  <p:timing>
-    <p:tnLst>
-      <p:par>
-        <p:cTn id="1" dur="indefinite" restart="never" nodeType="tmRoot"/>
-      </p:par>
-    </p:tnLst>
-  </p:timing>
-</p:sld>
-</file>
-
-<file path=ppt/slides/slide30.xml><?xml version="1.0" encoding="utf-8"?>
-<p:sld xmlns:a="http://schemas.openxmlformats.org/drawingml/2006/main" xmlns:r="http://schemas.openxmlformats.org/officeDocument/2006/relationships" xmlns:p="http://schemas.openxmlformats.org/presentationml/2006/main">
-  <p:cSld>
-    <p:spTree>
-      <p:nvGrpSpPr>
-        <p:cNvPr id="1" name=""/>
-        <p:cNvGrpSpPr/>
-        <p:nvPr/>
-      </p:nvGrpSpPr>
-      <p:grpSpPr>
-        <a:xfrm>
-          <a:off x="0" y="0"/>
-          <a:ext cx="0" cy="0"/>
-          <a:chOff x="0" y="0"/>
-          <a:chExt cx="0" cy="0"/>
-        </a:xfrm>
-      </p:grpSpPr>
-    </p:spTree>
-    <p:extLst>
-      <p:ext uri="{BB962C8B-B14F-4D97-AF65-F5344CB8AC3E}">
-        <p14:creationId xmlns:p14="http://schemas.microsoft.com/office/powerpoint/2010/main" val="445503990"/>
-      </p:ext>
-    </p:extLst>
-  </p:cSld>
-  <p:clrMapOvr>
-    <a:masterClrMapping/>
-  </p:clrMapOvr>
-  <p:timing>
-    <p:tnLst>
-      <p:par>
-        <p:cTn id="1" dur="indefinite" restart="never" nodeType="tmRoot"/>
-      </p:par>
-    </p:tnLst>
-  </p:timing>
-</p:sld>
-</file>
-
-<file path=ppt/slides/slide31.xml><?xml version="1.0" encoding="utf-8"?>
-<p:sld xmlns:a="http://schemas.openxmlformats.org/drawingml/2006/main" xmlns:r="http://schemas.openxmlformats.org/officeDocument/2006/relationships" xmlns:p="http://schemas.openxmlformats.org/presentationml/2006/main">
-  <p:cSld>
-    <p:spTree>
-      <p:nvGrpSpPr>
-        <p:cNvPr id="1" name=""/>
-        <p:cNvGrpSpPr/>
-        <p:nvPr/>
-      </p:nvGrpSpPr>
-      <p:grpSpPr>
-        <a:xfrm>
-          <a:off x="0" y="0"/>
-          <a:ext cx="0" cy="0"/>
-          <a:chOff x="0" y="0"/>
-          <a:chExt cx="0" cy="0"/>
-        </a:xfrm>
-      </p:grpSpPr>
-      <p:sp>
-        <p:nvSpPr>
-          <p:cNvPr id="2" name="Title 1"/>
-          <p:cNvSpPr>
-            <a:spLocks noGrp="1"/>
-          </p:cNvSpPr>
-          <p:nvPr>
-            <p:ph type="title"/>
-          </p:nvPr>
-        </p:nvSpPr>
-        <p:spPr/>
-        <p:txBody>
-          <a:bodyPr/>
-          <a:lstStyle/>
-          <a:p>
-            <a:r>
-              <a:rPr lang="nb-NO" dirty="0" smtClean="0"/>
-              <a:t>Styleguides</a:t>
-            </a:r>
-            <a:endParaRPr lang="nb-NO" dirty="0"/>
-          </a:p>
-        </p:txBody>
-      </p:sp>
-      <p:sp>
-        <p:nvSpPr>
-          <p:cNvPr id="3" name="Content Placeholder 2"/>
-          <p:cNvSpPr>
-            <a:spLocks noGrp="1"/>
-          </p:cNvSpPr>
-          <p:nvPr>
-            <p:ph idx="1"/>
-          </p:nvPr>
-        </p:nvSpPr>
-        <p:spPr/>
-        <p:txBody>
-          <a:bodyPr/>
-          <a:lstStyle/>
-          <a:p>
-            <a:r>
-              <a:rPr lang="nb-NO" dirty="0" smtClean="0"/>
-              <a:t>Bootstrap </a:t>
-            </a:r>
-            <a:r>
-              <a:rPr lang="nb-NO" dirty="0">
-                <a:hlinkClick r:id="rId2"/>
-              </a:rPr>
-              <a:t>http://twitter.github.com/bootstrap/base-css.html</a:t>
-            </a:r>
-            <a:endParaRPr lang="nb-NO" dirty="0" smtClean="0"/>
-          </a:p>
-          <a:p>
-            <a:r>
-              <a:rPr lang="nb-NO" dirty="0" smtClean="0"/>
-              <a:t>Github</a:t>
-            </a:r>
-          </a:p>
-          <a:p>
-            <a:r>
-              <a:rPr lang="nb-NO" dirty="0">
-                <a:hlinkClick r:id="rId3"/>
-              </a:rPr>
-              <a:t>http://</a:t>
-            </a:r>
-            <a:r>
-              <a:rPr lang="nb-NO" dirty="0" smtClean="0">
-                <a:hlinkClick r:id="rId3"/>
-              </a:rPr>
-              <a:t>warpspire.com/kss/</a:t>
-            </a:r>
-            <a:endParaRPr lang="nb-NO" dirty="0" smtClean="0"/>
-          </a:p>
-          <a:p>
-            <a:r>
-              <a:rPr lang="nb-NO" dirty="0">
-                <a:hlinkClick r:id="rId4"/>
-              </a:rPr>
-              <a:t>http://jacobrask.github.com/styledocco/</a:t>
-            </a:r>
-            <a:endParaRPr lang="nb-NO" dirty="0"/>
-          </a:p>
-        </p:txBody>
-      </p:sp>
-    </p:spTree>
-    <p:extLst>
-      <p:ext uri="{BB962C8B-B14F-4D97-AF65-F5344CB8AC3E}">
-        <p14:creationId xmlns:p14="http://schemas.microsoft.com/office/powerpoint/2010/main" val="2637146994"/>
       </p:ext>
     </p:extLst>
   </p:cSld>
